--- a/ppt/객체 통신.pptx
+++ b/ppt/객체 통신.pptx
@@ -5,7 +5,7 @@
     <p:sldMasterId id="2147483648" r:id="rId1"/>
   </p:sldMasterIdLst>
   <p:notesMasterIdLst>
-    <p:notesMasterId r:id="rId12"/>
+    <p:notesMasterId r:id="rId13"/>
   </p:notesMasterIdLst>
   <p:sldIdLst>
     <p:sldId id="256" r:id="rId2"/>
@@ -17,7 +17,8 @@
     <p:sldId id="259" r:id="rId8"/>
     <p:sldId id="264" r:id="rId9"/>
     <p:sldId id="265" r:id="rId10"/>
-    <p:sldId id="263" r:id="rId11"/>
+    <p:sldId id="267" r:id="rId11"/>
+    <p:sldId id="263" r:id="rId12"/>
   </p:sldIdLst>
   <p:sldSz cx="12192000" cy="6858000"/>
   <p:notesSz cx="6858000" cy="9144000"/>
@@ -430,7 +431,7 @@
           <a:p>
             <a:fld id="{488192B6-4AC4-4314-B024-56476DBB971D}" type="datetimeFigureOut">
               <a:rPr lang="ko-KR" altLang="en-US" smtClean="0"/>
-              <a:t>2025-06-23</a:t>
+              <a:t>2025-06-24</a:t>
             </a:fld>
             <a:endParaRPr lang="ko-KR" altLang="en-US"/>
           </a:p>
@@ -844,7 +845,7 @@
           <a:p>
             <a:fld id="{D066D795-C01F-44D1-9CCD-9B77C4474E7E}" type="datetimeFigureOut">
               <a:rPr lang="ko-KR" altLang="en-US" smtClean="0"/>
-              <a:t>2025-06-23</a:t>
+              <a:t>2025-06-24</a:t>
             </a:fld>
             <a:endParaRPr lang="ko-KR" altLang="en-US"/>
           </a:p>
@@ -1042,7 +1043,7 @@
           <a:p>
             <a:fld id="{D066D795-C01F-44D1-9CCD-9B77C4474E7E}" type="datetimeFigureOut">
               <a:rPr lang="ko-KR" altLang="en-US" smtClean="0"/>
-              <a:t>2025-06-23</a:t>
+              <a:t>2025-06-24</a:t>
             </a:fld>
             <a:endParaRPr lang="ko-KR" altLang="en-US"/>
           </a:p>
@@ -1250,7 +1251,7 @@
           <a:p>
             <a:fld id="{D066D795-C01F-44D1-9CCD-9B77C4474E7E}" type="datetimeFigureOut">
               <a:rPr lang="ko-KR" altLang="en-US" smtClean="0"/>
-              <a:t>2025-06-23</a:t>
+              <a:t>2025-06-24</a:t>
             </a:fld>
             <a:endParaRPr lang="ko-KR" altLang="en-US"/>
           </a:p>
@@ -1448,7 +1449,7 @@
           <a:p>
             <a:fld id="{D066D795-C01F-44D1-9CCD-9B77C4474E7E}" type="datetimeFigureOut">
               <a:rPr lang="ko-KR" altLang="en-US" smtClean="0"/>
-              <a:t>2025-06-23</a:t>
+              <a:t>2025-06-24</a:t>
             </a:fld>
             <a:endParaRPr lang="ko-KR" altLang="en-US"/>
           </a:p>
@@ -1723,7 +1724,7 @@
           <a:p>
             <a:fld id="{D066D795-C01F-44D1-9CCD-9B77C4474E7E}" type="datetimeFigureOut">
               <a:rPr lang="ko-KR" altLang="en-US" smtClean="0"/>
-              <a:t>2025-06-23</a:t>
+              <a:t>2025-06-24</a:t>
             </a:fld>
             <a:endParaRPr lang="ko-KR" altLang="en-US"/>
           </a:p>
@@ -1988,7 +1989,7 @@
           <a:p>
             <a:fld id="{D066D795-C01F-44D1-9CCD-9B77C4474E7E}" type="datetimeFigureOut">
               <a:rPr lang="ko-KR" altLang="en-US" smtClean="0"/>
-              <a:t>2025-06-23</a:t>
+              <a:t>2025-06-24</a:t>
             </a:fld>
             <a:endParaRPr lang="ko-KR" altLang="en-US"/>
           </a:p>
@@ -2400,7 +2401,7 @@
           <a:p>
             <a:fld id="{D066D795-C01F-44D1-9CCD-9B77C4474E7E}" type="datetimeFigureOut">
               <a:rPr lang="ko-KR" altLang="en-US" smtClean="0"/>
-              <a:t>2025-06-23</a:t>
+              <a:t>2025-06-24</a:t>
             </a:fld>
             <a:endParaRPr lang="ko-KR" altLang="en-US"/>
           </a:p>
@@ -2541,7 +2542,7 @@
           <a:p>
             <a:fld id="{D066D795-C01F-44D1-9CCD-9B77C4474E7E}" type="datetimeFigureOut">
               <a:rPr lang="ko-KR" altLang="en-US" smtClean="0"/>
-              <a:t>2025-06-23</a:t>
+              <a:t>2025-06-24</a:t>
             </a:fld>
             <a:endParaRPr lang="ko-KR" altLang="en-US"/>
           </a:p>
@@ -2654,7 +2655,7 @@
           <a:p>
             <a:fld id="{D066D795-C01F-44D1-9CCD-9B77C4474E7E}" type="datetimeFigureOut">
               <a:rPr lang="ko-KR" altLang="en-US" smtClean="0"/>
-              <a:t>2025-06-23</a:t>
+              <a:t>2025-06-24</a:t>
             </a:fld>
             <a:endParaRPr lang="ko-KR" altLang="en-US"/>
           </a:p>
@@ -2965,7 +2966,7 @@
           <a:p>
             <a:fld id="{D066D795-C01F-44D1-9CCD-9B77C4474E7E}" type="datetimeFigureOut">
               <a:rPr lang="ko-KR" altLang="en-US" smtClean="0"/>
-              <a:t>2025-06-23</a:t>
+              <a:t>2025-06-24</a:t>
             </a:fld>
             <a:endParaRPr lang="ko-KR" altLang="en-US"/>
           </a:p>
@@ -3253,7 +3254,7 @@
           <a:p>
             <a:fld id="{D066D795-C01F-44D1-9CCD-9B77C4474E7E}" type="datetimeFigureOut">
               <a:rPr lang="ko-KR" altLang="en-US" smtClean="0"/>
-              <a:t>2025-06-23</a:t>
+              <a:t>2025-06-24</a:t>
             </a:fld>
             <a:endParaRPr lang="ko-KR" altLang="en-US"/>
           </a:p>
@@ -3494,7 +3495,7 @@
           <a:p>
             <a:fld id="{D066D795-C01F-44D1-9CCD-9B77C4474E7E}" type="datetimeFigureOut">
               <a:rPr lang="ko-KR" altLang="en-US" smtClean="0"/>
-              <a:t>2025-06-23</a:t>
+              <a:t>2025-06-24</a:t>
             </a:fld>
             <a:endParaRPr lang="ko-KR" altLang="en-US"/>
           </a:p>
@@ -3989,6 +3990,738 @@
 </file>
 
 <file path=ppt/slides/slide10.xml><?xml version="1.0" encoding="utf-8"?>
+<p:sld xmlns:a="http://schemas.openxmlformats.org/drawingml/2006/main" xmlns:r="http://schemas.openxmlformats.org/officeDocument/2006/relationships" xmlns:p="http://schemas.openxmlformats.org/presentationml/2006/main">
+  <p:cSld>
+    <p:spTree>
+      <p:nvGrpSpPr>
+        <p:cNvPr id="1" name=""/>
+        <p:cNvGrpSpPr/>
+        <p:nvPr/>
+      </p:nvGrpSpPr>
+      <p:grpSpPr>
+        <a:xfrm>
+          <a:off x="0" y="0"/>
+          <a:ext cx="0" cy="0"/>
+          <a:chOff x="0" y="0"/>
+          <a:chExt cx="0" cy="0"/>
+        </a:xfrm>
+      </p:grpSpPr>
+      <p:sp>
+        <p:nvSpPr>
+          <p:cNvPr id="13" name="직사각형 12">
+            <a:extLst>
+              <a:ext uri="{FF2B5EF4-FFF2-40B4-BE49-F238E27FC236}">
+                <a16:creationId xmlns:a16="http://schemas.microsoft.com/office/drawing/2014/main" id="{BBA2057E-062F-E0BC-72BC-520240AEDD8D}"/>
+              </a:ext>
+            </a:extLst>
+          </p:cNvPr>
+          <p:cNvSpPr/>
+          <p:nvPr/>
+        </p:nvSpPr>
+        <p:spPr>
+          <a:xfrm>
+            <a:off x="6197596" y="5131300"/>
+            <a:ext cx="2912533" cy="930332"/>
+          </a:xfrm>
+          <a:prstGeom prst="rect">
+            <a:avLst/>
+          </a:prstGeom>
+        </p:spPr>
+        <p:style>
+          <a:lnRef idx="2">
+            <a:schemeClr val="accent1">
+              <a:shade val="15000"/>
+            </a:schemeClr>
+          </a:lnRef>
+          <a:fillRef idx="1">
+            <a:schemeClr val="accent1"/>
+          </a:fillRef>
+          <a:effectRef idx="0">
+            <a:schemeClr val="accent1"/>
+          </a:effectRef>
+          <a:fontRef idx="minor">
+            <a:schemeClr val="lt1"/>
+          </a:fontRef>
+        </p:style>
+        <p:txBody>
+          <a:bodyPr rtlCol="0" anchor="ctr"/>
+          <a:lstStyle/>
+          <a:p>
+            <a:pPr algn="ctr"/>
+            <a:r>
+              <a:rPr lang="en-US" altLang="ko-KR" dirty="0"/>
+              <a:t>Component</a:t>
+            </a:r>
+          </a:p>
+          <a:p>
+            <a:pPr algn="ctr"/>
+            <a:r>
+              <a:rPr lang="en-US" altLang="ko-KR" dirty="0"/>
+              <a:t>---------------------------</a:t>
+            </a:r>
+          </a:p>
+          <a:p>
+            <a:pPr algn="ctr"/>
+            <a:r>
+              <a:rPr lang="en-US" altLang="ko-KR" dirty="0" err="1"/>
+              <a:t>m_pomponent</a:t>
+            </a:r>
+            <a:endParaRPr lang="ko-KR" altLang="en-US" dirty="0"/>
+          </a:p>
+        </p:txBody>
+      </p:sp>
+      <p:sp>
+        <p:nvSpPr>
+          <p:cNvPr id="2" name="제목 1">
+            <a:extLst>
+              <a:ext uri="{FF2B5EF4-FFF2-40B4-BE49-F238E27FC236}">
+                <a16:creationId xmlns:a16="http://schemas.microsoft.com/office/drawing/2014/main" id="{0967DF29-3AB8-185A-E812-79715166B64F}"/>
+              </a:ext>
+            </a:extLst>
+          </p:cNvPr>
+          <p:cNvSpPr>
+            <a:spLocks noGrp="1"/>
+          </p:cNvSpPr>
+          <p:nvPr>
+            <p:ph type="title"/>
+          </p:nvPr>
+        </p:nvSpPr>
+        <p:spPr>
+          <a:xfrm>
+            <a:off x="838200" y="339725"/>
+            <a:ext cx="10515600" cy="1325563"/>
+          </a:xfrm>
+        </p:spPr>
+        <p:txBody>
+          <a:bodyPr/>
+          <a:lstStyle/>
+          <a:p>
+            <a:r>
+              <a:rPr lang="en-US" altLang="ko-KR" dirty="0"/>
+              <a:t>Dangling pointer </a:t>
+            </a:r>
+            <a:r>
+              <a:rPr lang="ko-KR" altLang="en-US" dirty="0"/>
+              <a:t>문제</a:t>
+            </a:r>
+          </a:p>
+        </p:txBody>
+      </p:sp>
+      <p:sp>
+        <p:nvSpPr>
+          <p:cNvPr id="3" name="TextBox 2">
+            <a:extLst>
+              <a:ext uri="{FF2B5EF4-FFF2-40B4-BE49-F238E27FC236}">
+                <a16:creationId xmlns:a16="http://schemas.microsoft.com/office/drawing/2014/main" id="{EC408E9F-9B47-B07E-FFB2-816CFEE5D792}"/>
+              </a:ext>
+            </a:extLst>
+          </p:cNvPr>
+          <p:cNvSpPr txBox="1"/>
+          <p:nvPr/>
+        </p:nvSpPr>
+        <p:spPr>
+          <a:xfrm>
+            <a:off x="289763" y="1681738"/>
+            <a:ext cx="11612474" cy="646331"/>
+          </a:xfrm>
+          <a:prstGeom prst="rect">
+            <a:avLst/>
+          </a:prstGeom>
+          <a:noFill/>
+        </p:spPr>
+        <p:txBody>
+          <a:bodyPr wrap="none" rtlCol="0">
+            <a:spAutoFit/>
+          </a:bodyPr>
+          <a:lstStyle/>
+          <a:p>
+            <a:r>
+              <a:rPr lang="ko-KR" altLang="en-US" dirty="0"/>
+              <a:t> 클래스의 인스턴스의 주소를 포인터 변수로 보관하여 사용하는 도중 인스턴스가 해제되는 경우의 문제</a:t>
+            </a:r>
+            <a:r>
+              <a:rPr lang="en-US" altLang="ko-KR" dirty="0"/>
+              <a:t>(</a:t>
+            </a:r>
+            <a:r>
+              <a:rPr lang="ko-KR" altLang="en-US" dirty="0" err="1"/>
+              <a:t>크래시</a:t>
+            </a:r>
+            <a:r>
+              <a:rPr lang="en-US" altLang="ko-KR" dirty="0"/>
+              <a:t>)</a:t>
+            </a:r>
+          </a:p>
+          <a:p>
+            <a:r>
+              <a:rPr lang="ko-KR" altLang="en-US" dirty="0"/>
+              <a:t>즉  </a:t>
+            </a:r>
+            <a:r>
+              <a:rPr lang="en-US" altLang="ko-KR" dirty="0"/>
+              <a:t>Event-Listener </a:t>
+            </a:r>
+            <a:r>
+              <a:rPr lang="ko-KR" altLang="en-US" dirty="0"/>
+              <a:t>구조에서 구독자 인스턴스가 사라지면 문제가 된다</a:t>
+            </a:r>
+            <a:r>
+              <a:rPr lang="en-US" altLang="ko-KR" dirty="0"/>
+              <a:t>. </a:t>
+            </a:r>
+            <a:r>
+              <a:rPr lang="ko-KR" altLang="en-US" dirty="0"/>
+              <a:t>해결방법 </a:t>
+            </a:r>
+            <a:r>
+              <a:rPr lang="en-US" altLang="ko-KR" dirty="0" err="1"/>
+              <a:t>HandleID</a:t>
+            </a:r>
+            <a:r>
+              <a:rPr lang="en-US" altLang="ko-KR"/>
+              <a:t>  or </a:t>
+            </a:r>
+            <a:r>
+              <a:rPr lang="ko-KR" altLang="en-US" dirty="0" err="1"/>
+              <a:t>스마트포인터</a:t>
+            </a:r>
+            <a:endParaRPr lang="ko-KR" altLang="en-US" dirty="0"/>
+          </a:p>
+        </p:txBody>
+      </p:sp>
+      <p:sp>
+        <p:nvSpPr>
+          <p:cNvPr id="5" name="직사각형 4">
+            <a:extLst>
+              <a:ext uri="{FF2B5EF4-FFF2-40B4-BE49-F238E27FC236}">
+                <a16:creationId xmlns:a16="http://schemas.microsoft.com/office/drawing/2014/main" id="{6763E2BB-439C-9559-97B6-8F2F7F6C9B53}"/>
+              </a:ext>
+            </a:extLst>
+          </p:cNvPr>
+          <p:cNvSpPr/>
+          <p:nvPr/>
+        </p:nvSpPr>
+        <p:spPr>
+          <a:xfrm>
+            <a:off x="838200" y="2990851"/>
+            <a:ext cx="1786466" cy="592666"/>
+          </a:xfrm>
+          <a:prstGeom prst="rect">
+            <a:avLst/>
+          </a:prstGeom>
+        </p:spPr>
+        <p:style>
+          <a:lnRef idx="2">
+            <a:schemeClr val="accent1">
+              <a:shade val="15000"/>
+            </a:schemeClr>
+          </a:lnRef>
+          <a:fillRef idx="1">
+            <a:schemeClr val="accent1"/>
+          </a:fillRef>
+          <a:effectRef idx="0">
+            <a:schemeClr val="accent1"/>
+          </a:effectRef>
+          <a:fontRef idx="minor">
+            <a:schemeClr val="lt1"/>
+          </a:fontRef>
+        </p:style>
+        <p:txBody>
+          <a:bodyPr rtlCol="0" anchor="ctr"/>
+          <a:lstStyle/>
+          <a:p>
+            <a:pPr algn="ctr"/>
+            <a:r>
+              <a:rPr lang="en-US" altLang="ko-KR" dirty="0" err="1"/>
+              <a:t>GameObject</a:t>
+            </a:r>
+            <a:endParaRPr lang="ko-KR" altLang="en-US" dirty="0"/>
+          </a:p>
+        </p:txBody>
+      </p:sp>
+      <p:sp>
+        <p:nvSpPr>
+          <p:cNvPr id="6" name="직사각형 5">
+            <a:extLst>
+              <a:ext uri="{FF2B5EF4-FFF2-40B4-BE49-F238E27FC236}">
+                <a16:creationId xmlns:a16="http://schemas.microsoft.com/office/drawing/2014/main" id="{9C69B250-71EF-533A-F71E-5B70FFB7F408}"/>
+              </a:ext>
+            </a:extLst>
+          </p:cNvPr>
+          <p:cNvSpPr/>
+          <p:nvPr/>
+        </p:nvSpPr>
+        <p:spPr>
+          <a:xfrm>
+            <a:off x="1202265" y="3820584"/>
+            <a:ext cx="2912533" cy="930332"/>
+          </a:xfrm>
+          <a:prstGeom prst="rect">
+            <a:avLst/>
+          </a:prstGeom>
+        </p:spPr>
+        <p:style>
+          <a:lnRef idx="2">
+            <a:schemeClr val="accent1">
+              <a:shade val="15000"/>
+            </a:schemeClr>
+          </a:lnRef>
+          <a:fillRef idx="1">
+            <a:schemeClr val="accent1"/>
+          </a:fillRef>
+          <a:effectRef idx="0">
+            <a:schemeClr val="accent1"/>
+          </a:effectRef>
+          <a:fontRef idx="minor">
+            <a:schemeClr val="lt1"/>
+          </a:fontRef>
+        </p:style>
+        <p:txBody>
+          <a:bodyPr rtlCol="0" anchor="ctr"/>
+          <a:lstStyle/>
+          <a:p>
+            <a:pPr algn="ctr"/>
+            <a:r>
+              <a:rPr lang="en-US" altLang="ko-KR" dirty="0"/>
+              <a:t>Component</a:t>
+            </a:r>
+          </a:p>
+          <a:p>
+            <a:pPr algn="ctr"/>
+            <a:r>
+              <a:rPr lang="en-US" altLang="ko-KR" dirty="0"/>
+              <a:t>---------------------------</a:t>
+            </a:r>
+          </a:p>
+          <a:p>
+            <a:pPr algn="ctr"/>
+            <a:r>
+              <a:rPr lang="en-US" altLang="ko-KR" dirty="0" err="1"/>
+              <a:t>m_pComponent</a:t>
+            </a:r>
+            <a:endParaRPr lang="ko-KR" altLang="en-US" dirty="0"/>
+          </a:p>
+        </p:txBody>
+      </p:sp>
+      <p:sp>
+        <p:nvSpPr>
+          <p:cNvPr id="7" name="직사각형 6">
+            <a:extLst>
+              <a:ext uri="{FF2B5EF4-FFF2-40B4-BE49-F238E27FC236}">
+                <a16:creationId xmlns:a16="http://schemas.microsoft.com/office/drawing/2014/main" id="{7281CE2D-08D4-5959-1E88-8827B52BF627}"/>
+              </a:ext>
+            </a:extLst>
+          </p:cNvPr>
+          <p:cNvSpPr/>
+          <p:nvPr/>
+        </p:nvSpPr>
+        <p:spPr>
+          <a:xfrm>
+            <a:off x="1202265" y="5131300"/>
+            <a:ext cx="2912533" cy="693684"/>
+          </a:xfrm>
+          <a:prstGeom prst="rect">
+            <a:avLst/>
+          </a:prstGeom>
+        </p:spPr>
+        <p:style>
+          <a:lnRef idx="2">
+            <a:schemeClr val="accent1">
+              <a:shade val="15000"/>
+            </a:schemeClr>
+          </a:lnRef>
+          <a:fillRef idx="1">
+            <a:schemeClr val="accent1"/>
+          </a:fillRef>
+          <a:effectRef idx="0">
+            <a:schemeClr val="accent1"/>
+          </a:effectRef>
+          <a:fontRef idx="minor">
+            <a:schemeClr val="lt1"/>
+          </a:fontRef>
+        </p:style>
+        <p:txBody>
+          <a:bodyPr rtlCol="0" anchor="ctr"/>
+          <a:lstStyle/>
+          <a:p>
+            <a:pPr algn="ctr"/>
+            <a:r>
+              <a:rPr lang="en-US" altLang="ko-KR" dirty="0"/>
+              <a:t>Component</a:t>
+            </a:r>
+            <a:endParaRPr lang="ko-KR" altLang="en-US" dirty="0"/>
+          </a:p>
+        </p:txBody>
+      </p:sp>
+      <p:cxnSp>
+        <p:nvCxnSpPr>
+          <p:cNvPr id="11" name="직선 화살표 연결선 10">
+            <a:extLst>
+              <a:ext uri="{FF2B5EF4-FFF2-40B4-BE49-F238E27FC236}">
+                <a16:creationId xmlns:a16="http://schemas.microsoft.com/office/drawing/2014/main" id="{52A19B1D-EA6A-F5A3-F363-28AF6B79F1D0}"/>
+              </a:ext>
+            </a:extLst>
+          </p:cNvPr>
+          <p:cNvCxnSpPr/>
+          <p:nvPr/>
+        </p:nvCxnSpPr>
+        <p:spPr>
+          <a:xfrm flipH="1">
+            <a:off x="2201330" y="4687416"/>
+            <a:ext cx="186267" cy="601133"/>
+          </a:xfrm>
+          <a:prstGeom prst="straightConnector1">
+            <a:avLst/>
+          </a:prstGeom>
+          <a:ln w="76200">
+            <a:solidFill>
+              <a:srgbClr val="00B050"/>
+            </a:solidFill>
+            <a:tailEnd type="triangle"/>
+          </a:ln>
+        </p:spPr>
+        <p:style>
+          <a:lnRef idx="1">
+            <a:schemeClr val="accent1"/>
+          </a:lnRef>
+          <a:fillRef idx="0">
+            <a:schemeClr val="accent1"/>
+          </a:fillRef>
+          <a:effectRef idx="0">
+            <a:schemeClr val="accent1"/>
+          </a:effectRef>
+          <a:fontRef idx="minor">
+            <a:schemeClr val="tx1"/>
+          </a:fontRef>
+        </p:style>
+      </p:cxnSp>
+      <p:cxnSp>
+        <p:nvCxnSpPr>
+          <p:cNvPr id="12" name="직선 화살표 연결선 11">
+            <a:extLst>
+              <a:ext uri="{FF2B5EF4-FFF2-40B4-BE49-F238E27FC236}">
+                <a16:creationId xmlns:a16="http://schemas.microsoft.com/office/drawing/2014/main" id="{C4C6153F-01E6-4373-3798-03387A1F57E9}"/>
+              </a:ext>
+            </a:extLst>
+          </p:cNvPr>
+          <p:cNvCxnSpPr>
+            <a:cxnSpLocks/>
+            <a:endCxn id="7" idx="3"/>
+          </p:cNvCxnSpPr>
+          <p:nvPr/>
+        </p:nvCxnSpPr>
+        <p:spPr>
+          <a:xfrm flipH="1" flipV="1">
+            <a:off x="4114798" y="5478142"/>
+            <a:ext cx="1938868" cy="118324"/>
+          </a:xfrm>
+          <a:prstGeom prst="straightConnector1">
+            <a:avLst/>
+          </a:prstGeom>
+          <a:ln w="76200">
+            <a:solidFill>
+              <a:srgbClr val="FF0000"/>
+            </a:solidFill>
+            <a:tailEnd type="triangle"/>
+          </a:ln>
+        </p:spPr>
+        <p:style>
+          <a:lnRef idx="1">
+            <a:schemeClr val="accent1"/>
+          </a:lnRef>
+          <a:fillRef idx="0">
+            <a:schemeClr val="accent1"/>
+          </a:fillRef>
+          <a:effectRef idx="0">
+            <a:schemeClr val="accent1"/>
+          </a:effectRef>
+          <a:fontRef idx="minor">
+            <a:schemeClr val="tx1"/>
+          </a:fontRef>
+        </p:style>
+      </p:cxnSp>
+      <p:sp>
+        <p:nvSpPr>
+          <p:cNvPr id="14" name="직사각형 13">
+            <a:extLst>
+              <a:ext uri="{FF2B5EF4-FFF2-40B4-BE49-F238E27FC236}">
+                <a16:creationId xmlns:a16="http://schemas.microsoft.com/office/drawing/2014/main" id="{A8D37EB9-9E59-B278-35FA-B68C911FD41E}"/>
+              </a:ext>
+            </a:extLst>
+          </p:cNvPr>
+          <p:cNvSpPr/>
+          <p:nvPr/>
+        </p:nvSpPr>
+        <p:spPr>
+          <a:xfrm>
+            <a:off x="6096000" y="2830699"/>
+            <a:ext cx="1786466" cy="592666"/>
+          </a:xfrm>
+          <a:prstGeom prst="rect">
+            <a:avLst/>
+          </a:prstGeom>
+        </p:spPr>
+        <p:style>
+          <a:lnRef idx="2">
+            <a:schemeClr val="accent1">
+              <a:shade val="15000"/>
+            </a:schemeClr>
+          </a:lnRef>
+          <a:fillRef idx="1">
+            <a:schemeClr val="accent1"/>
+          </a:fillRef>
+          <a:effectRef idx="0">
+            <a:schemeClr val="accent1"/>
+          </a:effectRef>
+          <a:fontRef idx="minor">
+            <a:schemeClr val="lt1"/>
+          </a:fontRef>
+        </p:style>
+        <p:txBody>
+          <a:bodyPr rtlCol="0" anchor="ctr"/>
+          <a:lstStyle/>
+          <a:p>
+            <a:pPr algn="ctr"/>
+            <a:r>
+              <a:rPr lang="en-US" altLang="ko-KR" dirty="0" err="1"/>
+              <a:t>GameObject</a:t>
+            </a:r>
+            <a:endParaRPr lang="ko-KR" altLang="en-US" dirty="0"/>
+          </a:p>
+        </p:txBody>
+      </p:sp>
+      <p:sp>
+        <p:nvSpPr>
+          <p:cNvPr id="22" name="직사각형 21">
+            <a:extLst>
+              <a:ext uri="{FF2B5EF4-FFF2-40B4-BE49-F238E27FC236}">
+                <a16:creationId xmlns:a16="http://schemas.microsoft.com/office/drawing/2014/main" id="{97AD4CDB-74AB-7C46-2D94-912D551DF20E}"/>
+              </a:ext>
+            </a:extLst>
+          </p:cNvPr>
+          <p:cNvSpPr/>
+          <p:nvPr/>
+        </p:nvSpPr>
+        <p:spPr>
+          <a:xfrm>
+            <a:off x="6197598" y="3820584"/>
+            <a:ext cx="2912533" cy="930332"/>
+          </a:xfrm>
+          <a:prstGeom prst="rect">
+            <a:avLst/>
+          </a:prstGeom>
+        </p:spPr>
+        <p:style>
+          <a:lnRef idx="2">
+            <a:schemeClr val="accent1">
+              <a:shade val="15000"/>
+            </a:schemeClr>
+          </a:lnRef>
+          <a:fillRef idx="1">
+            <a:schemeClr val="accent1"/>
+          </a:fillRef>
+          <a:effectRef idx="0">
+            <a:schemeClr val="accent1"/>
+          </a:effectRef>
+          <a:fontRef idx="minor">
+            <a:schemeClr val="lt1"/>
+          </a:fontRef>
+        </p:style>
+        <p:txBody>
+          <a:bodyPr rtlCol="0" anchor="ctr"/>
+          <a:lstStyle/>
+          <a:p>
+            <a:pPr algn="ctr"/>
+            <a:r>
+              <a:rPr lang="en-US" altLang="ko-KR" dirty="0"/>
+              <a:t>Component</a:t>
+            </a:r>
+          </a:p>
+          <a:p>
+            <a:pPr algn="ctr"/>
+            <a:r>
+              <a:rPr lang="en-US" altLang="ko-KR" dirty="0"/>
+              <a:t>---------------------------</a:t>
+            </a:r>
+          </a:p>
+          <a:p>
+            <a:pPr algn="ctr"/>
+            <a:r>
+              <a:rPr lang="en-US" altLang="ko-KR" dirty="0" err="1"/>
+              <a:t>m_pGameObject</a:t>
+            </a:r>
+            <a:endParaRPr lang="ko-KR" altLang="en-US" dirty="0"/>
+          </a:p>
+        </p:txBody>
+      </p:sp>
+      <p:cxnSp>
+        <p:nvCxnSpPr>
+          <p:cNvPr id="24" name="직선 화살표 연결선 23">
+            <a:extLst>
+              <a:ext uri="{FF2B5EF4-FFF2-40B4-BE49-F238E27FC236}">
+                <a16:creationId xmlns:a16="http://schemas.microsoft.com/office/drawing/2014/main" id="{DF0A0B2F-7BB3-4894-FB9D-BEB87FC01C76}"/>
+              </a:ext>
+            </a:extLst>
+          </p:cNvPr>
+          <p:cNvCxnSpPr>
+            <a:cxnSpLocks/>
+          </p:cNvCxnSpPr>
+          <p:nvPr/>
+        </p:nvCxnSpPr>
+        <p:spPr>
+          <a:xfrm flipH="1" flipV="1">
+            <a:off x="2658530" y="3287184"/>
+            <a:ext cx="3395136" cy="981337"/>
+          </a:xfrm>
+          <a:prstGeom prst="straightConnector1">
+            <a:avLst/>
+          </a:prstGeom>
+          <a:ln w="76200">
+            <a:solidFill>
+              <a:srgbClr val="FF0000"/>
+            </a:solidFill>
+            <a:tailEnd type="triangle"/>
+          </a:ln>
+        </p:spPr>
+        <p:style>
+          <a:lnRef idx="1">
+            <a:schemeClr val="accent1"/>
+          </a:lnRef>
+          <a:fillRef idx="0">
+            <a:schemeClr val="accent1"/>
+          </a:fillRef>
+          <a:effectRef idx="0">
+            <a:schemeClr val="accent1"/>
+          </a:effectRef>
+          <a:fontRef idx="minor">
+            <a:schemeClr val="tx1"/>
+          </a:fontRef>
+        </p:style>
+      </p:cxnSp>
+      <p:sp>
+        <p:nvSpPr>
+          <p:cNvPr id="29" name="TextBox 28">
+            <a:extLst>
+              <a:ext uri="{FF2B5EF4-FFF2-40B4-BE49-F238E27FC236}">
+                <a16:creationId xmlns:a16="http://schemas.microsoft.com/office/drawing/2014/main" id="{D08133B7-42CE-105F-F1EA-CD4371BFA1F9}"/>
+              </a:ext>
+            </a:extLst>
+          </p:cNvPr>
+          <p:cNvSpPr txBox="1"/>
+          <p:nvPr/>
+        </p:nvSpPr>
+        <p:spPr>
+          <a:xfrm>
+            <a:off x="2201330" y="4762401"/>
+            <a:ext cx="3307316" cy="307777"/>
+          </a:xfrm>
+          <a:prstGeom prst="rect">
+            <a:avLst/>
+          </a:prstGeom>
+          <a:noFill/>
+        </p:spPr>
+        <p:txBody>
+          <a:bodyPr wrap="none" rtlCol="0">
+            <a:spAutoFit/>
+          </a:bodyPr>
+          <a:lstStyle/>
+          <a:p>
+            <a:r>
+              <a:rPr lang="ko-KR" altLang="en-US" sz="1400" b="1" dirty="0"/>
+              <a:t>생명주기를 같이하기 때문에 문제 없음</a:t>
+            </a:r>
+          </a:p>
+        </p:txBody>
+      </p:sp>
+      <p:sp>
+        <p:nvSpPr>
+          <p:cNvPr id="31" name="TextBox 30">
+            <a:extLst>
+              <a:ext uri="{FF2B5EF4-FFF2-40B4-BE49-F238E27FC236}">
+                <a16:creationId xmlns:a16="http://schemas.microsoft.com/office/drawing/2014/main" id="{1653A518-C548-6CF6-DDAB-D183277B8266}"/>
+              </a:ext>
+            </a:extLst>
+          </p:cNvPr>
+          <p:cNvSpPr txBox="1"/>
+          <p:nvPr/>
+        </p:nvSpPr>
+        <p:spPr>
+          <a:xfrm>
+            <a:off x="4289940" y="3543888"/>
+            <a:ext cx="7375737" cy="307777"/>
+          </a:xfrm>
+          <a:prstGeom prst="rect">
+            <a:avLst/>
+          </a:prstGeom>
+          <a:noFill/>
+        </p:spPr>
+        <p:txBody>
+          <a:bodyPr wrap="none" rtlCol="0">
+            <a:spAutoFit/>
+          </a:bodyPr>
+          <a:lstStyle/>
+          <a:p>
+            <a:r>
+              <a:rPr lang="ko-KR" altLang="en-US" sz="1400" b="1" dirty="0"/>
+              <a:t>참조하는 인스턴스가 사라지면 </a:t>
+            </a:r>
+            <a:r>
+              <a:rPr lang="ko-KR" altLang="en-US" sz="1400" b="1" dirty="0" err="1"/>
+              <a:t>주소값은</a:t>
+            </a:r>
+            <a:r>
+              <a:rPr lang="ko-KR" altLang="en-US" sz="1400" b="1" dirty="0"/>
+              <a:t> 있지만 접근</a:t>
+            </a:r>
+            <a:r>
+              <a:rPr lang="en-US" altLang="ko-KR" sz="1400" b="1" dirty="0"/>
+              <a:t>(</a:t>
+            </a:r>
+            <a:r>
+              <a:rPr lang="ko-KR" altLang="en-US" sz="1400" b="1" dirty="0"/>
+              <a:t>멤버변수</a:t>
+            </a:r>
+            <a:r>
+              <a:rPr lang="en-US" altLang="ko-KR" sz="1400" b="1" dirty="0"/>
+              <a:t>,</a:t>
+            </a:r>
+            <a:r>
+              <a:rPr lang="ko-KR" altLang="en-US" sz="1400" b="1" dirty="0"/>
+              <a:t>함수호출</a:t>
+            </a:r>
+            <a:r>
+              <a:rPr lang="en-US" altLang="ko-KR" sz="1400" b="1" dirty="0"/>
+              <a:t>)</a:t>
+            </a:r>
+            <a:r>
+              <a:rPr lang="ko-KR" altLang="en-US" sz="1400" b="1" dirty="0"/>
+              <a:t>하면 </a:t>
+            </a:r>
+            <a:r>
+              <a:rPr lang="ko-KR" altLang="en-US" sz="1400" b="1" dirty="0" err="1"/>
+              <a:t>크래시</a:t>
+            </a:r>
+            <a:r>
+              <a:rPr lang="ko-KR" altLang="en-US" sz="1400" b="1" dirty="0"/>
+              <a:t> 발생</a:t>
+            </a:r>
+          </a:p>
+        </p:txBody>
+      </p:sp>
+    </p:spTree>
+    <p:extLst>
+      <p:ext uri="{BB962C8B-B14F-4D97-AF65-F5344CB8AC3E}">
+        <p14:creationId xmlns:p14="http://schemas.microsoft.com/office/powerpoint/2010/main" val="1821757290"/>
+      </p:ext>
+    </p:extLst>
+  </p:cSld>
+  <p:clrMapOvr>
+    <a:masterClrMapping/>
+  </p:clrMapOvr>
+</p:sld>
+</file>
+
+<file path=ppt/slides/slide11.xml><?xml version="1.0" encoding="utf-8"?>
 <p:sld xmlns:a="http://schemas.openxmlformats.org/drawingml/2006/main" xmlns:r="http://schemas.openxmlformats.org/officeDocument/2006/relationships" xmlns:p="http://schemas.openxmlformats.org/presentationml/2006/main">
   <p:cSld>
     <p:spTree>
